--- a/Presentation.pptx
+++ b/Presentation.pptx
@@ -114,6 +114,11 @@
       </a:defRPr>
     </a:lvl9pPr>
   </p:defaultTextStyle>
+  <p:extLst>
+    <p:ext uri="{EFAFB233-063F-42B5-8137-9DF3F51BA10A}">
+      <p15:sldGuideLst xmlns:p15="http://schemas.microsoft.com/office/powerpoint/2012/main"/>
+    </p:ext>
+  </p:extLst>
 </p:presentation>
 </file>
 
@@ -199,7 +204,7 @@
           <a:p>
             <a:fld id="{E43056B8-E0ED-2848-A4CC-494869A1A177}" type="datetimeFigureOut">
               <a:rPr lang="en-US" smtClean="0"/>
-              <a:t>2/1/20</a:t>
+              <a:t>2/3/20</a:t>
             </a:fld>
             <a:endParaRPr lang="en-US"/>
           </a:p>
@@ -618,6 +623,56 @@
             </a:r>
           </a:p>
           <a:p>
+            <a:r>
+              <a:rPr lang="en-US" dirty="0"/>
+              <a:t>Total crime count per moon phase for each city</a:t>
+            </a:r>
+          </a:p>
+          <a:p>
+            <a:r>
+              <a:rPr lang="en-US" dirty="0"/>
+              <a:t>Moon visibility percentage and crime count scatter plot for each city</a:t>
+            </a:r>
+          </a:p>
+          <a:p>
+            <a:r>
+              <a:rPr lang="en-US" dirty="0"/>
+              <a:t>	correlation coefficient (</a:t>
+            </a:r>
+            <a:r>
+              <a:rPr lang="en-US" dirty="0" err="1"/>
+              <a:t>pearsons</a:t>
+            </a:r>
+            <a:r>
+              <a:rPr lang="en-US" dirty="0"/>
+              <a:t> r)</a:t>
+            </a:r>
+          </a:p>
+          <a:p>
+            <a:r>
+              <a:rPr lang="en-US" dirty="0"/>
+              <a:t>	linear regression line(maybe)</a:t>
+            </a:r>
+          </a:p>
+          <a:p>
+            <a:r>
+              <a:rPr lang="en-US" dirty="0"/>
+              <a:t>Violent vs non-violent per moon phase for each city</a:t>
+            </a:r>
+          </a:p>
+          <a:p>
+            <a:endParaRPr lang="en-US" dirty="0"/>
+          </a:p>
+          <a:p>
+            <a:endParaRPr lang="en-US" dirty="0"/>
+          </a:p>
+          <a:p>
+            <a:endParaRPr lang="en-US" dirty="0"/>
+          </a:p>
+          <a:p>
+            <a:endParaRPr lang="en-US" dirty="0"/>
+          </a:p>
+          <a:p>
             <a:endParaRPr lang="en-US" dirty="0"/>
           </a:p>
         </p:txBody>
@@ -902,7 +957,7 @@
           <a:p>
             <a:fld id="{9184DA70-C731-4C70-880D-CCD4705E623C}" type="datetime1">
               <a:rPr lang="en-US" smtClean="0"/>
-              <a:t>2/1/20</a:t>
+              <a:t>2/3/20</a:t>
             </a:fld>
             <a:endParaRPr lang="en-US" dirty="0"/>
           </a:p>
@@ -1090,7 +1145,7 @@
           <a:p>
             <a:fld id="{B612A279-0833-481D-8C56-F67FD0AC6C50}" type="datetime1">
               <a:rPr lang="en-US" smtClean="0"/>
-              <a:t>2/1/20</a:t>
+              <a:t>2/3/20</a:t>
             </a:fld>
             <a:endParaRPr lang="en-US" dirty="0"/>
           </a:p>
@@ -1332,7 +1387,7 @@
           <a:p>
             <a:fld id="{6587DA83-5663-4C9C-B9AA-0B40A3DAFF81}" type="datetime1">
               <a:rPr lang="en-US" smtClean="0"/>
-              <a:t>2/1/20</a:t>
+              <a:t>2/3/20</a:t>
             </a:fld>
             <a:endParaRPr lang="en-US" dirty="0"/>
           </a:p>
@@ -1520,7 +1575,7 @@
           <a:p>
             <a:fld id="{4BE1D723-8F53-4F53-90B0-1982A396982E}" type="datetime1">
               <a:rPr lang="en-US" smtClean="0"/>
-              <a:t>2/1/20</a:t>
+              <a:t>2/3/20</a:t>
             </a:fld>
             <a:endParaRPr lang="en-US" dirty="0"/>
           </a:p>
@@ -1893,7 +1948,7 @@
           <a:p>
             <a:fld id="{97669AF7-7BEB-44E4-9852-375E34362B5B}" type="datetime1">
               <a:rPr lang="en-US" smtClean="0"/>
-              <a:t>2/1/20</a:t>
+              <a:t>2/3/20</a:t>
             </a:fld>
             <a:endParaRPr lang="en-US" dirty="0"/>
           </a:p>
@@ -2148,7 +2203,7 @@
           <a:p>
             <a:fld id="{BAAAC38D-0552-4C82-B593-E6124DFADBE2}" type="datetime1">
               <a:rPr lang="en-US" smtClean="0"/>
-              <a:t>2/1/20</a:t>
+              <a:t>2/3/20</a:t>
             </a:fld>
             <a:endParaRPr lang="en-US" dirty="0"/>
           </a:p>
@@ -2545,7 +2600,7 @@
           <a:p>
             <a:fld id="{D9DF0F1C-5577-4ACB-BB62-DF8F3C494C7E}" type="datetime1">
               <a:rPr lang="en-US" smtClean="0"/>
-              <a:t>2/1/20</a:t>
+              <a:t>2/3/20</a:t>
             </a:fld>
             <a:endParaRPr lang="en-US" dirty="0"/>
           </a:p>
@@ -2681,7 +2736,7 @@
           <a:p>
             <a:fld id="{1775B394-D9F9-4F0C-B15D-605F45CB9E9F}" type="datetime1">
               <a:rPr lang="en-US" smtClean="0"/>
-              <a:t>2/1/20</a:t>
+              <a:t>2/3/20</a:t>
             </a:fld>
             <a:endParaRPr lang="en-US" dirty="0"/>
           </a:p>
@@ -2838,7 +2893,7 @@
           <a:p>
             <a:fld id="{39667345-2558-425A-8533-9BFDBCE15005}" type="datetime1">
               <a:rPr lang="en-US" smtClean="0"/>
-              <a:t>2/1/20</a:t>
+              <a:t>2/3/20</a:t>
             </a:fld>
             <a:endParaRPr lang="en-US" dirty="0"/>
           </a:p>
@@ -3167,7 +3222,7 @@
           <a:p>
             <a:fld id="{92BEA474-078D-4E9B-9B14-09A87B19DC46}" type="datetime1">
               <a:rPr lang="en-US" smtClean="0"/>
-              <a:t>2/1/20</a:t>
+              <a:t>2/3/20</a:t>
             </a:fld>
             <a:endParaRPr lang="en-US" dirty="0"/>
           </a:p>
@@ -3517,7 +3572,7 @@
           <a:p>
             <a:fld id="{4907D986-8816-4272-A432-0437A28A9828}" type="datetime1">
               <a:rPr lang="en-US" smtClean="0"/>
-              <a:t>2/1/20</a:t>
+              <a:t>2/3/20</a:t>
             </a:fld>
             <a:endParaRPr lang="en-US" dirty="0"/>
           </a:p>
@@ -3778,7 +3833,7 @@
           <a:p>
             <a:fld id="{62D6E202-B606-4609-B914-27C9371A1F6D}" type="datetime1">
               <a:rPr lang="en-US" smtClean="0"/>
-              <a:t>2/1/20</a:t>
+              <a:t>2/3/20</a:t>
             </a:fld>
             <a:endParaRPr lang="en-US" dirty="0"/>
           </a:p>
@@ -4908,7 +4963,7 @@
         </p:nvSpPr>
         <p:spPr>
           <a:xfrm>
-            <a:off x="5231958" y="605896"/>
+            <a:off x="5455601" y="1056746"/>
             <a:ext cx="5923721" cy="5646208"/>
           </a:xfrm>
         </p:spPr>
@@ -4918,6 +4973,15 @@
           </a:bodyPr>
           <a:lstStyle/>
           <a:p>
+            <a:pPr marL="0" indent="0" algn="ctr">
+              <a:buNone/>
+            </a:pPr>
+            <a:r>
+              <a:rPr lang="en-US" sz="2400" dirty="0"/>
+              <a:t>“It must be a full moon!”</a:t>
+            </a:r>
+          </a:p>
+          <a:p>
             <a:r>
               <a:rPr lang="en-US" sz="2400" dirty="0"/>
               <a:t>Lunar-Lunacy Connection</a:t>
@@ -4930,10 +4994,61 @@
             </a:r>
           </a:p>
           <a:p>
+            <a:pPr lvl="1"/>
+            <a:r>
+              <a:rPr lang="en-US" sz="2200" dirty="0"/>
+              <a:t>Is there an increase in crime on full moon compared to other phases of the moons?</a:t>
+            </a:r>
+          </a:p>
+          <a:p>
+            <a:pPr lvl="1"/>
+            <a:r>
+              <a:rPr lang="en-US" sz="2200" dirty="0"/>
+              <a:t>Is there a difference between the number of violent crimes vs non-violent crimes committed on a full moon?</a:t>
+            </a:r>
+          </a:p>
+          <a:p>
+            <a:pPr lvl="1"/>
+            <a:r>
+              <a:rPr lang="en-US" sz="2200" dirty="0"/>
+              <a:t>If a correlation exists, how strong is it?</a:t>
+            </a:r>
+          </a:p>
+          <a:p>
             <a:endParaRPr lang="en-US" sz="2400" dirty="0"/>
           </a:p>
         </p:txBody>
       </p:sp>
+      <p:pic>
+        <p:nvPicPr>
+          <p:cNvPr id="4" name="Picture 3">
+            <a:extLst>
+              <a:ext uri="{FF2B5EF4-FFF2-40B4-BE49-F238E27FC236}">
+                <a16:creationId xmlns:a16="http://schemas.microsoft.com/office/drawing/2014/main" id="{30FCAA19-E92D-954E-8791-02B98FB98134}"/>
+              </a:ext>
+            </a:extLst>
+          </p:cNvPr>
+          <p:cNvPicPr>
+            <a:picLocks noChangeAspect="1"/>
+          </p:cNvPicPr>
+          <p:nvPr/>
+        </p:nvPicPr>
+        <p:blipFill>
+          <a:blip r:embed="rId3"/>
+          <a:stretch>
+            <a:fillRect/>
+          </a:stretch>
+        </p:blipFill>
+        <p:spPr>
+          <a:xfrm>
+            <a:off x="5877461" y="155046"/>
+            <a:ext cx="5080000" cy="901700"/>
+          </a:xfrm>
+          <a:prstGeom prst="rect">
+            <a:avLst/>
+          </a:prstGeom>
+        </p:spPr>
+      </p:pic>
     </p:spTree>
     <p:extLst>
       <p:ext uri="{BB962C8B-B14F-4D97-AF65-F5344CB8AC3E}">
@@ -5154,7 +5269,75 @@
           </a:bodyPr>
           <a:lstStyle/>
           <a:p>
-            <a:endParaRPr lang="en-US" sz="2400"/>
+            <a:r>
+              <a:rPr lang="en-US" sz="2400" b="1" dirty="0"/>
+              <a:t>Is there an increase in crime on full moon compared to other phases of the moons?</a:t>
+            </a:r>
+          </a:p>
+          <a:p>
+            <a:pPr lvl="1"/>
+            <a:r>
+              <a:rPr lang="en-US" sz="2200" dirty="0"/>
+              <a:t>Crime data (Kaggle and APIs)</a:t>
+            </a:r>
+          </a:p>
+          <a:p>
+            <a:pPr lvl="1"/>
+            <a:r>
+              <a:rPr lang="en-US" sz="2200" dirty="0"/>
+              <a:t>Moon phase data (NASA and </a:t>
+            </a:r>
+            <a:r>
+              <a:rPr lang="en-US" sz="2200" dirty="0" err="1"/>
+              <a:t>timeanddate.org</a:t>
+            </a:r>
+            <a:r>
+              <a:rPr lang="en-US" sz="2200" dirty="0"/>
+              <a:t>)</a:t>
+            </a:r>
+          </a:p>
+          <a:p>
+            <a:r>
+              <a:rPr lang="en-US" sz="2400" b="1" dirty="0"/>
+              <a:t>Is there a difference between the number of violent crimes vs non-violent crimes committed on a full moon?</a:t>
+            </a:r>
+          </a:p>
+          <a:p>
+            <a:pPr lvl="1"/>
+            <a:r>
+              <a:rPr lang="en-US" sz="2200" dirty="0"/>
+              <a:t>Define violent crimes and non-violent crimes</a:t>
+            </a:r>
+          </a:p>
+          <a:p>
+            <a:pPr lvl="1"/>
+            <a:r>
+              <a:rPr lang="en-US" sz="2200" dirty="0"/>
+              <a:t>Categorize data</a:t>
+            </a:r>
+          </a:p>
+          <a:p>
+            <a:r>
+              <a:rPr lang="en-US" sz="2400" b="1" dirty="0"/>
+              <a:t>If a correlation exists, how strong is it?</a:t>
+            </a:r>
+          </a:p>
+          <a:p>
+            <a:pPr lvl="1"/>
+            <a:r>
+              <a:rPr lang="en-US" sz="2200" dirty="0"/>
+              <a:t>Pearson's r and r-squared</a:t>
+            </a:r>
+          </a:p>
+          <a:p>
+            <a:pPr lvl="1"/>
+            <a:r>
+              <a:rPr lang="en-US" sz="2200" dirty="0"/>
+              <a:t>ANOVA </a:t>
+            </a:r>
+          </a:p>
+          <a:p>
+            <a:endParaRPr lang="en-US" sz="2400" dirty="0"/>
           </a:p>
         </p:txBody>
       </p:sp>
@@ -5378,7 +5561,18 @@
           </a:bodyPr>
           <a:lstStyle/>
           <a:p>
-            <a:endParaRPr lang="en-US" sz="2400"/>
+            <a:r>
+              <a:rPr lang="en-US" sz="2400" dirty="0"/>
+              <a:t>Crime data clean up:</a:t>
+            </a:r>
+          </a:p>
+          <a:p>
+            <a:pPr lvl="1"/>
+            <a:endParaRPr lang="en-US" sz="2200" dirty="0"/>
+          </a:p>
+          <a:p>
+            <a:pPr lvl="1"/>
+            <a:endParaRPr lang="en-US" sz="2200" dirty="0"/>
           </a:p>
         </p:txBody>
       </p:sp>

--- a/Presentation.pptx
+++ b/Presentation.pptx
@@ -5015,7 +5015,10 @@
             </a:r>
           </a:p>
           <a:p>
-            <a:endParaRPr lang="en-US" sz="2400" dirty="0"/>
+            <a:r>
+              <a:rPr lang="en-US" sz="2400" dirty="0"/>
+              <a:t>Conclusion: INCONCLUSIVE</a:t>
+            </a:r>
           </a:p>
         </p:txBody>
       </p:sp>
@@ -5551,8 +5554,8 @@
         </p:nvSpPr>
         <p:spPr>
           <a:xfrm>
-            <a:off x="5231958" y="605896"/>
-            <a:ext cx="5923721" cy="5646208"/>
+            <a:off x="5231958" y="198120"/>
+            <a:ext cx="5923721" cy="6431280"/>
           </a:xfrm>
         </p:spPr>
         <p:txBody>
@@ -5563,8 +5566,75 @@
           <a:p>
             <a:r>
               <a:rPr lang="en-US" sz="2400" dirty="0"/>
-              <a:t>Crime data clean up:</a:t>
-            </a:r>
+              <a:t>Data clean up:</a:t>
+            </a:r>
+          </a:p>
+          <a:p>
+            <a:pPr lvl="1"/>
+            <a:r>
+              <a:rPr lang="en-US" sz="2200" dirty="0"/>
+              <a:t>Cut down the data to occur dates and type of crimes</a:t>
+            </a:r>
+          </a:p>
+          <a:p>
+            <a:pPr lvl="1"/>
+            <a:r>
+              <a:rPr lang="en-US" sz="2200" dirty="0"/>
+              <a:t>Merge data with moon phase data</a:t>
+            </a:r>
+          </a:p>
+          <a:p>
+            <a:r>
+              <a:rPr lang="en-US" sz="2400" dirty="0"/>
+              <a:t>Insights:</a:t>
+            </a:r>
+          </a:p>
+          <a:p>
+            <a:pPr lvl="1"/>
+            <a:endParaRPr lang="en-US" sz="2200" dirty="0"/>
+          </a:p>
+          <a:p>
+            <a:r>
+              <a:rPr lang="en-US" sz="2400" dirty="0"/>
+              <a:t>Challenges:</a:t>
+            </a:r>
+          </a:p>
+          <a:p>
+            <a:pPr lvl="1"/>
+            <a:r>
+              <a:rPr lang="en-US" sz="2200" dirty="0"/>
+              <a:t>A lot of data, assumptions needed to be made</a:t>
+            </a:r>
+          </a:p>
+          <a:p>
+            <a:pPr lvl="1"/>
+            <a:r>
+              <a:rPr lang="en-US" sz="2200" dirty="0"/>
+              <a:t>Working with API organization</a:t>
+            </a:r>
+          </a:p>
+          <a:p>
+            <a:pPr lvl="1"/>
+            <a:r>
+              <a:rPr lang="en-US" sz="2200" dirty="0"/>
+              <a:t>Dates</a:t>
+            </a:r>
+          </a:p>
+          <a:p>
+            <a:pPr lvl="1"/>
+            <a:endParaRPr lang="en-US" sz="2200" dirty="0"/>
+          </a:p>
+          <a:p>
+            <a:pPr lvl="1"/>
+            <a:endParaRPr lang="en-US" sz="2200" dirty="0"/>
+          </a:p>
+          <a:p>
+            <a:pPr lvl="1"/>
+            <a:endParaRPr lang="en-US" sz="2200" dirty="0"/>
+          </a:p>
+          <a:p>
+            <a:pPr lvl="1"/>
+            <a:endParaRPr lang="en-US" sz="2200" dirty="0"/>
           </a:p>
           <a:p>
             <a:pPr lvl="1"/>

--- a/Presentation.pptx
+++ b/Presentation.pptx
@@ -204,7 +204,7 @@
           <a:p>
             <a:fld id="{E43056B8-E0ED-2848-A4CC-494869A1A177}" type="datetimeFigureOut">
               <a:rPr lang="en-US" smtClean="0"/>
-              <a:t>2/3/20</a:t>
+              <a:t>2/5/20</a:t>
             </a:fld>
             <a:endParaRPr lang="en-US"/>
           </a:p>
@@ -713,6 +713,351 @@
 </p:notes>
 </file>
 
+<file path=ppt/notesSlides/notesSlide3.xml><?xml version="1.0" encoding="utf-8"?>
+<p:notes xmlns:a="http://schemas.openxmlformats.org/drawingml/2006/main" xmlns:r="http://schemas.openxmlformats.org/officeDocument/2006/relationships" xmlns:p="http://schemas.openxmlformats.org/presentationml/2006/main">
+  <p:cSld>
+    <p:spTree>
+      <p:nvGrpSpPr>
+        <p:cNvPr id="1" name=""/>
+        <p:cNvGrpSpPr/>
+        <p:nvPr/>
+      </p:nvGrpSpPr>
+      <p:grpSpPr>
+        <a:xfrm>
+          <a:off x="0" y="0"/>
+          <a:ext cx="0" cy="0"/>
+          <a:chOff x="0" y="0"/>
+          <a:chExt cx="0" cy="0"/>
+        </a:xfrm>
+      </p:grpSpPr>
+      <p:sp>
+        <p:nvSpPr>
+          <p:cNvPr id="2" name="Slide Image Placeholder 1"/>
+          <p:cNvSpPr>
+            <a:spLocks noGrp="1" noRot="1" noChangeAspect="1"/>
+          </p:cNvSpPr>
+          <p:nvPr>
+            <p:ph type="sldImg"/>
+          </p:nvPr>
+        </p:nvSpPr>
+        <p:spPr/>
+      </p:sp>
+      <p:sp>
+        <p:nvSpPr>
+          <p:cNvPr id="3" name="Notes Placeholder 2"/>
+          <p:cNvSpPr>
+            <a:spLocks noGrp="1"/>
+          </p:cNvSpPr>
+          <p:nvPr>
+            <p:ph type="body" idx="1"/>
+          </p:nvPr>
+        </p:nvSpPr>
+        <p:spPr/>
+        <p:txBody>
+          <a:bodyPr/>
+          <a:lstStyle/>
+          <a:p>
+            <a:r>
+              <a:rPr lang="en-US" dirty="0"/>
+              <a:t>Data frames to be discussed here</a:t>
+            </a:r>
+          </a:p>
+        </p:txBody>
+      </p:sp>
+      <p:sp>
+        <p:nvSpPr>
+          <p:cNvPr id="4" name="Slide Number Placeholder 3"/>
+          <p:cNvSpPr>
+            <a:spLocks noGrp="1"/>
+          </p:cNvSpPr>
+          <p:nvPr>
+            <p:ph type="sldNum" sz="quarter" idx="5"/>
+          </p:nvPr>
+        </p:nvSpPr>
+        <p:spPr/>
+        <p:txBody>
+          <a:bodyPr/>
+          <a:lstStyle/>
+          <a:p>
+            <a:fld id="{EF407C3E-99DF-A34B-BD71-874732C09E36}" type="slidenum">
+              <a:rPr lang="en-US" smtClean="0"/>
+              <a:t>4</a:t>
+            </a:fld>
+            <a:endParaRPr lang="en-US"/>
+          </a:p>
+        </p:txBody>
+      </p:sp>
+    </p:spTree>
+    <p:extLst>
+      <p:ext uri="{BB962C8B-B14F-4D97-AF65-F5344CB8AC3E}">
+        <p14:creationId xmlns:p14="http://schemas.microsoft.com/office/powerpoint/2010/main" val="1263797706"/>
+      </p:ext>
+    </p:extLst>
+  </p:cSld>
+  <p:clrMapOvr>
+    <a:masterClrMapping/>
+  </p:clrMapOvr>
+</p:notes>
+</file>
+
+<file path=ppt/notesSlides/notesSlide4.xml><?xml version="1.0" encoding="utf-8"?>
+<p:notes xmlns:a="http://schemas.openxmlformats.org/drawingml/2006/main" xmlns:r="http://schemas.openxmlformats.org/officeDocument/2006/relationships" xmlns:p="http://schemas.openxmlformats.org/presentationml/2006/main">
+  <p:cSld>
+    <p:spTree>
+      <p:nvGrpSpPr>
+        <p:cNvPr id="1" name=""/>
+        <p:cNvGrpSpPr/>
+        <p:nvPr/>
+      </p:nvGrpSpPr>
+      <p:grpSpPr>
+        <a:xfrm>
+          <a:off x="0" y="0"/>
+          <a:ext cx="0" cy="0"/>
+          <a:chOff x="0" y="0"/>
+          <a:chExt cx="0" cy="0"/>
+        </a:xfrm>
+      </p:grpSpPr>
+      <p:sp>
+        <p:nvSpPr>
+          <p:cNvPr id="2" name="Slide Image Placeholder 1"/>
+          <p:cNvSpPr>
+            <a:spLocks noGrp="1" noRot="1" noChangeAspect="1"/>
+          </p:cNvSpPr>
+          <p:nvPr>
+            <p:ph type="sldImg"/>
+          </p:nvPr>
+        </p:nvSpPr>
+        <p:spPr/>
+      </p:sp>
+      <p:sp>
+        <p:nvSpPr>
+          <p:cNvPr id="3" name="Notes Placeholder 2"/>
+          <p:cNvSpPr>
+            <a:spLocks noGrp="1"/>
+          </p:cNvSpPr>
+          <p:nvPr>
+            <p:ph type="body" idx="1"/>
+          </p:nvPr>
+        </p:nvSpPr>
+        <p:spPr/>
+        <p:txBody>
+          <a:bodyPr/>
+          <a:lstStyle/>
+          <a:p>
+            <a:r>
+              <a:rPr lang="en-US" dirty="0"/>
+              <a:t>Should these be broken down in the more slides. Plots generated should be discussed here.</a:t>
+            </a:r>
+          </a:p>
+        </p:txBody>
+      </p:sp>
+      <p:sp>
+        <p:nvSpPr>
+          <p:cNvPr id="4" name="Slide Number Placeholder 3"/>
+          <p:cNvSpPr>
+            <a:spLocks noGrp="1"/>
+          </p:cNvSpPr>
+          <p:nvPr>
+            <p:ph type="sldNum" sz="quarter" idx="5"/>
+          </p:nvPr>
+        </p:nvSpPr>
+        <p:spPr/>
+        <p:txBody>
+          <a:bodyPr/>
+          <a:lstStyle/>
+          <a:p>
+            <a:fld id="{EF407C3E-99DF-A34B-BD71-874732C09E36}" type="slidenum">
+              <a:rPr lang="en-US" smtClean="0"/>
+              <a:t>5</a:t>
+            </a:fld>
+            <a:endParaRPr lang="en-US"/>
+          </a:p>
+        </p:txBody>
+      </p:sp>
+    </p:spTree>
+    <p:extLst>
+      <p:ext uri="{BB962C8B-B14F-4D97-AF65-F5344CB8AC3E}">
+        <p14:creationId xmlns:p14="http://schemas.microsoft.com/office/powerpoint/2010/main" val="2845046840"/>
+      </p:ext>
+    </p:extLst>
+  </p:cSld>
+  <p:clrMapOvr>
+    <a:masterClrMapping/>
+  </p:clrMapOvr>
+</p:notes>
+</file>
+
+<file path=ppt/notesSlides/notesSlide5.xml><?xml version="1.0" encoding="utf-8"?>
+<p:notes xmlns:a="http://schemas.openxmlformats.org/drawingml/2006/main" xmlns:r="http://schemas.openxmlformats.org/officeDocument/2006/relationships" xmlns:p="http://schemas.openxmlformats.org/presentationml/2006/main">
+  <p:cSld>
+    <p:spTree>
+      <p:nvGrpSpPr>
+        <p:cNvPr id="1" name=""/>
+        <p:cNvGrpSpPr/>
+        <p:nvPr/>
+      </p:nvGrpSpPr>
+      <p:grpSpPr>
+        <a:xfrm>
+          <a:off x="0" y="0"/>
+          <a:ext cx="0" cy="0"/>
+          <a:chOff x="0" y="0"/>
+          <a:chExt cx="0" cy="0"/>
+        </a:xfrm>
+      </p:grpSpPr>
+      <p:sp>
+        <p:nvSpPr>
+          <p:cNvPr id="2" name="Slide Image Placeholder 1"/>
+          <p:cNvSpPr>
+            <a:spLocks noGrp="1" noRot="1" noChangeAspect="1"/>
+          </p:cNvSpPr>
+          <p:nvPr>
+            <p:ph type="sldImg"/>
+          </p:nvPr>
+        </p:nvSpPr>
+        <p:spPr/>
+      </p:sp>
+      <p:sp>
+        <p:nvSpPr>
+          <p:cNvPr id="3" name="Notes Placeholder 2"/>
+          <p:cNvSpPr>
+            <a:spLocks noGrp="1"/>
+          </p:cNvSpPr>
+          <p:nvPr>
+            <p:ph type="body" idx="1"/>
+          </p:nvPr>
+        </p:nvSpPr>
+        <p:spPr/>
+        <p:txBody>
+          <a:bodyPr/>
+          <a:lstStyle/>
+          <a:p>
+            <a:r>
+              <a:rPr lang="en-US" dirty="0"/>
+              <a:t>Discuss possible reasons of why our data came out this way.</a:t>
+            </a:r>
+          </a:p>
+        </p:txBody>
+      </p:sp>
+      <p:sp>
+        <p:nvSpPr>
+          <p:cNvPr id="4" name="Slide Number Placeholder 3"/>
+          <p:cNvSpPr>
+            <a:spLocks noGrp="1"/>
+          </p:cNvSpPr>
+          <p:nvPr>
+            <p:ph type="sldNum" sz="quarter" idx="5"/>
+          </p:nvPr>
+        </p:nvSpPr>
+        <p:spPr/>
+        <p:txBody>
+          <a:bodyPr/>
+          <a:lstStyle/>
+          <a:p>
+            <a:fld id="{EF407C3E-99DF-A34B-BD71-874732C09E36}" type="slidenum">
+              <a:rPr lang="en-US" smtClean="0"/>
+              <a:t>6</a:t>
+            </a:fld>
+            <a:endParaRPr lang="en-US"/>
+          </a:p>
+        </p:txBody>
+      </p:sp>
+    </p:spTree>
+    <p:extLst>
+      <p:ext uri="{BB962C8B-B14F-4D97-AF65-F5344CB8AC3E}">
+        <p14:creationId xmlns:p14="http://schemas.microsoft.com/office/powerpoint/2010/main" val="4279989379"/>
+      </p:ext>
+    </p:extLst>
+  </p:cSld>
+  <p:clrMapOvr>
+    <a:masterClrMapping/>
+  </p:clrMapOvr>
+</p:notes>
+</file>
+
+<file path=ppt/notesSlides/notesSlide6.xml><?xml version="1.0" encoding="utf-8"?>
+<p:notes xmlns:a="http://schemas.openxmlformats.org/drawingml/2006/main" xmlns:r="http://schemas.openxmlformats.org/officeDocument/2006/relationships" xmlns:p="http://schemas.openxmlformats.org/presentationml/2006/main">
+  <p:cSld>
+    <p:spTree>
+      <p:nvGrpSpPr>
+        <p:cNvPr id="1" name=""/>
+        <p:cNvGrpSpPr/>
+        <p:nvPr/>
+      </p:nvGrpSpPr>
+      <p:grpSpPr>
+        <a:xfrm>
+          <a:off x="0" y="0"/>
+          <a:ext cx="0" cy="0"/>
+          <a:chOff x="0" y="0"/>
+          <a:chExt cx="0" cy="0"/>
+        </a:xfrm>
+      </p:grpSpPr>
+      <p:sp>
+        <p:nvSpPr>
+          <p:cNvPr id="2" name="Slide Image Placeholder 1"/>
+          <p:cNvSpPr>
+            <a:spLocks noGrp="1" noRot="1" noChangeAspect="1"/>
+          </p:cNvSpPr>
+          <p:nvPr>
+            <p:ph type="sldImg"/>
+          </p:nvPr>
+        </p:nvSpPr>
+        <p:spPr/>
+      </p:sp>
+      <p:sp>
+        <p:nvSpPr>
+          <p:cNvPr id="3" name="Notes Placeholder 2"/>
+          <p:cNvSpPr>
+            <a:spLocks noGrp="1"/>
+          </p:cNvSpPr>
+          <p:nvPr>
+            <p:ph type="body" idx="1"/>
+          </p:nvPr>
+        </p:nvSpPr>
+        <p:spPr/>
+        <p:txBody>
+          <a:bodyPr/>
+          <a:lstStyle/>
+          <a:p>
+            <a:endParaRPr lang="en-US" dirty="0"/>
+          </a:p>
+        </p:txBody>
+      </p:sp>
+      <p:sp>
+        <p:nvSpPr>
+          <p:cNvPr id="4" name="Slide Number Placeholder 3"/>
+          <p:cNvSpPr>
+            <a:spLocks noGrp="1"/>
+          </p:cNvSpPr>
+          <p:nvPr>
+            <p:ph type="sldNum" sz="quarter" idx="5"/>
+          </p:nvPr>
+        </p:nvSpPr>
+        <p:spPr/>
+        <p:txBody>
+          <a:bodyPr/>
+          <a:lstStyle/>
+          <a:p>
+            <a:fld id="{EF407C3E-99DF-A34B-BD71-874732C09E36}" type="slidenum">
+              <a:rPr lang="en-US" smtClean="0"/>
+              <a:t>7</a:t>
+            </a:fld>
+            <a:endParaRPr lang="en-US"/>
+          </a:p>
+        </p:txBody>
+      </p:sp>
+    </p:spTree>
+    <p:extLst>
+      <p:ext uri="{BB962C8B-B14F-4D97-AF65-F5344CB8AC3E}">
+        <p14:creationId xmlns:p14="http://schemas.microsoft.com/office/powerpoint/2010/main" val="3445582100"/>
+      </p:ext>
+    </p:extLst>
+  </p:cSld>
+  <p:clrMapOvr>
+    <a:masterClrMapping/>
+  </p:clrMapOvr>
+</p:notes>
+</file>
+
 <file path=ppt/slideLayouts/slideLayout1.xml><?xml version="1.0" encoding="utf-8"?>
 <p:sldLayout xmlns:a="http://schemas.openxmlformats.org/drawingml/2006/main" xmlns:r="http://schemas.openxmlformats.org/officeDocument/2006/relationships" xmlns:p="http://schemas.openxmlformats.org/presentationml/2006/main" showMasterSp="0" type="title" preserve="1">
   <p:cSld name="Title Slide">
@@ -957,7 +1302,7 @@
           <a:p>
             <a:fld id="{9184DA70-C731-4C70-880D-CCD4705E623C}" type="datetime1">
               <a:rPr lang="en-US" smtClean="0"/>
-              <a:t>2/3/20</a:t>
+              <a:t>2/5/20</a:t>
             </a:fld>
             <a:endParaRPr lang="en-US" dirty="0"/>
           </a:p>
@@ -1145,7 +1490,7 @@
           <a:p>
             <a:fld id="{B612A279-0833-481D-8C56-F67FD0AC6C50}" type="datetime1">
               <a:rPr lang="en-US" smtClean="0"/>
-              <a:t>2/3/20</a:t>
+              <a:t>2/5/20</a:t>
             </a:fld>
             <a:endParaRPr lang="en-US" dirty="0"/>
           </a:p>
@@ -1387,7 +1732,7 @@
           <a:p>
             <a:fld id="{6587DA83-5663-4C9C-B9AA-0B40A3DAFF81}" type="datetime1">
               <a:rPr lang="en-US" smtClean="0"/>
-              <a:t>2/3/20</a:t>
+              <a:t>2/5/20</a:t>
             </a:fld>
             <a:endParaRPr lang="en-US" dirty="0"/>
           </a:p>
@@ -1575,7 +1920,7 @@
           <a:p>
             <a:fld id="{4BE1D723-8F53-4F53-90B0-1982A396982E}" type="datetime1">
               <a:rPr lang="en-US" smtClean="0"/>
-              <a:t>2/3/20</a:t>
+              <a:t>2/5/20</a:t>
             </a:fld>
             <a:endParaRPr lang="en-US" dirty="0"/>
           </a:p>
@@ -1948,7 +2293,7 @@
           <a:p>
             <a:fld id="{97669AF7-7BEB-44E4-9852-375E34362B5B}" type="datetime1">
               <a:rPr lang="en-US" smtClean="0"/>
-              <a:t>2/3/20</a:t>
+              <a:t>2/5/20</a:t>
             </a:fld>
             <a:endParaRPr lang="en-US" dirty="0"/>
           </a:p>
@@ -2203,7 +2548,7 @@
           <a:p>
             <a:fld id="{BAAAC38D-0552-4C82-B593-E6124DFADBE2}" type="datetime1">
               <a:rPr lang="en-US" smtClean="0"/>
-              <a:t>2/3/20</a:t>
+              <a:t>2/5/20</a:t>
             </a:fld>
             <a:endParaRPr lang="en-US" dirty="0"/>
           </a:p>
@@ -2600,7 +2945,7 @@
           <a:p>
             <a:fld id="{D9DF0F1C-5577-4ACB-BB62-DF8F3C494C7E}" type="datetime1">
               <a:rPr lang="en-US" smtClean="0"/>
-              <a:t>2/3/20</a:t>
+              <a:t>2/5/20</a:t>
             </a:fld>
             <a:endParaRPr lang="en-US" dirty="0"/>
           </a:p>
@@ -2736,7 +3081,7 @@
           <a:p>
             <a:fld id="{1775B394-D9F9-4F0C-B15D-605F45CB9E9F}" type="datetime1">
               <a:rPr lang="en-US" smtClean="0"/>
-              <a:t>2/3/20</a:t>
+              <a:t>2/5/20</a:t>
             </a:fld>
             <a:endParaRPr lang="en-US" dirty="0"/>
           </a:p>
@@ -2893,7 +3238,7 @@
           <a:p>
             <a:fld id="{39667345-2558-425A-8533-9BFDBCE15005}" type="datetime1">
               <a:rPr lang="en-US" smtClean="0"/>
-              <a:t>2/3/20</a:t>
+              <a:t>2/5/20</a:t>
             </a:fld>
             <a:endParaRPr lang="en-US" dirty="0"/>
           </a:p>
@@ -3222,7 +3567,7 @@
           <a:p>
             <a:fld id="{92BEA474-078D-4E9B-9B14-09A87B19DC46}" type="datetime1">
               <a:rPr lang="en-US" smtClean="0"/>
-              <a:t>2/3/20</a:t>
+              <a:t>2/5/20</a:t>
             </a:fld>
             <a:endParaRPr lang="en-US" dirty="0"/>
           </a:p>
@@ -3572,7 +3917,7 @@
           <a:p>
             <a:fld id="{4907D986-8816-4272-A432-0437A28A9828}" type="datetime1">
               <a:rPr lang="en-US" smtClean="0"/>
-              <a:t>2/3/20</a:t>
+              <a:t>2/5/20</a:t>
             </a:fld>
             <a:endParaRPr lang="en-US" dirty="0"/>
           </a:p>
@@ -3833,7 +4178,7 @@
           <a:p>
             <a:fld id="{62D6E202-B606-4609-B914-27C9371A1F6D}" type="datetime1">
               <a:rPr lang="en-US" smtClean="0"/>
-              <a:t>2/3/20</a:t>
+              <a:t>2/5/20</a:t>
             </a:fld>
             <a:endParaRPr lang="en-US" dirty="0"/>
           </a:p>
@@ -4969,7 +5314,7 @@
         </p:spPr>
         <p:txBody>
           <a:bodyPr anchor="ctr">
-            <a:normAutofit/>
+            <a:normAutofit lnSpcReduction="10000"/>
           </a:bodyPr>
           <a:lstStyle/>
           <a:p>
@@ -5017,7 +5362,7 @@
           <a:p>
             <a:r>
               <a:rPr lang="en-US" sz="2400" dirty="0"/>
-              <a:t>Conclusion: INCONCLUSIVE</a:t>
+              <a:t>Conclusion: No correlation found/Null hypothesis supported/ inconclusive</a:t>
             </a:r>
           </a:p>
         </p:txBody>
@@ -5586,16 +5931,6 @@
           <a:p>
             <a:r>
               <a:rPr lang="en-US" sz="2400" dirty="0"/>
-              <a:t>Insights:</a:t>
-            </a:r>
-          </a:p>
-          <a:p>
-            <a:pPr lvl="1"/>
-            <a:endParaRPr lang="en-US" sz="2200" dirty="0"/>
-          </a:p>
-          <a:p>
-            <a:r>
-              <a:rPr lang="en-US" sz="2400" dirty="0"/>
               <a:t>Challenges:</a:t>
             </a:r>
           </a:p>
@@ -5621,8 +5956,19 @@
             </a:r>
           </a:p>
           <a:p>
-            <a:pPr lvl="1"/>
+            <a:pPr marL="201168" lvl="1" indent="0">
+              <a:buNone/>
+            </a:pPr>
             <a:endParaRPr lang="en-US" sz="2200" dirty="0"/>
+          </a:p>
+          <a:p>
+            <a:pPr marL="201168" lvl="1" indent="0" algn="ctr">
+              <a:buNone/>
+            </a:pPr>
+            <a:r>
+              <a:rPr lang="en-US" sz="2200" dirty="0"/>
+              <a:t>Lets take a look at some data!</a:t>
+            </a:r>
           </a:p>
           <a:p>
             <a:pPr lvl="1"/>
@@ -5866,7 +6212,81 @@
           </a:bodyPr>
           <a:lstStyle/>
           <a:p>
-            <a:endParaRPr lang="en-US" sz="2400"/>
+            <a:r>
+              <a:rPr lang="en-US" sz="2400" dirty="0"/>
+              <a:t>Total Crime vs Moon Phase</a:t>
+            </a:r>
+            <a:endParaRPr lang="en-US" sz="2200" dirty="0"/>
+          </a:p>
+          <a:p>
+            <a:pPr lvl="1"/>
+            <a:r>
+              <a:rPr lang="en-US" sz="2200" dirty="0"/>
+              <a:t>Violent Crime vs Moon Phase</a:t>
+            </a:r>
+          </a:p>
+          <a:p>
+            <a:pPr lvl="1"/>
+            <a:r>
+              <a:rPr lang="en-US" sz="2200" dirty="0"/>
+              <a:t>Non-Violent Crime vs Moon Phase</a:t>
+            </a:r>
+          </a:p>
+          <a:p>
+            <a:r>
+              <a:rPr lang="en-US" sz="2400" dirty="0"/>
+              <a:t>Total Crime/Violent Crime/Non-Violent Crime vs moon phase box plots</a:t>
+            </a:r>
+          </a:p>
+          <a:p>
+            <a:pPr lvl="1"/>
+            <a:r>
+              <a:rPr lang="en-US" sz="2200" dirty="0"/>
+              <a:t>One Way ANOVA to identify if there is statistical difference between moon phases</a:t>
+            </a:r>
+          </a:p>
+          <a:p>
+            <a:r>
+              <a:rPr lang="en-US" sz="2400" dirty="0"/>
+              <a:t>Linear Regression on Crime Count vs Moon Visibility</a:t>
+            </a:r>
+          </a:p>
+          <a:p>
+            <a:pPr lvl="1"/>
+            <a:r>
+              <a:rPr lang="en-US" sz="2200" dirty="0"/>
+              <a:t>Correlation coefficient generated</a:t>
+            </a:r>
+          </a:p>
+          <a:p>
+            <a:pPr lvl="1"/>
+            <a:r>
+              <a:rPr lang="en-US" sz="2200" dirty="0"/>
+              <a:t>R</a:t>
+            </a:r>
+            <a:r>
+              <a:rPr lang="en-US" sz="2200" baseline="30000" dirty="0"/>
+              <a:t>2 </a:t>
+            </a:r>
+            <a:r>
+              <a:rPr lang="en-US" sz="2200" dirty="0"/>
+              <a:t>Value generated</a:t>
+            </a:r>
+          </a:p>
+          <a:p>
+            <a:pPr marL="0" algn="ctr">
+              <a:buNone/>
+            </a:pPr>
+            <a:r>
+              <a:rPr lang="en-US" sz="2200" dirty="0"/>
+              <a:t>Lets look at some data!</a:t>
+            </a:r>
+          </a:p>
+          <a:p>
+            <a:pPr marL="201168" lvl="1" indent="0">
+              <a:buNone/>
+            </a:pPr>
+            <a:endParaRPr lang="en-US" sz="2200" dirty="0"/>
           </a:p>
         </p:txBody>
       </p:sp>
@@ -6090,7 +6510,56 @@
           </a:bodyPr>
           <a:lstStyle/>
           <a:p>
-            <a:endParaRPr lang="en-US" sz="2400"/>
+            <a:r>
+              <a:rPr lang="en-US" sz="2400" dirty="0"/>
+              <a:t>Data does not support a correlation between crimes committed and moon phase.</a:t>
+            </a:r>
+          </a:p>
+          <a:p>
+            <a:pPr lvl="1"/>
+            <a:r>
+              <a:rPr lang="en-US" sz="2200" dirty="0"/>
+              <a:t>Generated correlation coefficients are either inconclusive or slightly negative be very weak</a:t>
+            </a:r>
+          </a:p>
+          <a:p>
+            <a:pPr lvl="2"/>
+            <a:r>
+              <a:rPr lang="en-US" sz="1800" dirty="0"/>
+              <a:t>Chicago – Correlation Coefficient = -0.11</a:t>
+            </a:r>
+          </a:p>
+          <a:p>
+            <a:pPr lvl="2"/>
+            <a:r>
+              <a:rPr lang="en-US" sz="1800" dirty="0"/>
+              <a:t>Portland – Correlation Coefficient = Nan</a:t>
+            </a:r>
+          </a:p>
+          <a:p>
+            <a:pPr lvl="2"/>
+            <a:r>
+              <a:rPr lang="en-US" sz="1800" dirty="0"/>
+              <a:t>Atlanta – Correlation Coefficient = -0.03</a:t>
+            </a:r>
+          </a:p>
+          <a:p>
+            <a:r>
+              <a:rPr lang="en-US" sz="2400" dirty="0"/>
+              <a:t>Regression analysis does not support a predictable model between crime count and moon visibility.</a:t>
+            </a:r>
+          </a:p>
+          <a:p>
+            <a:pPr marL="0" indent="0">
+              <a:buNone/>
+            </a:pPr>
+            <a:r>
+              <a:rPr lang="en-US" sz="2400" dirty="0"/>
+              <a:t>ANOVA tests support Null Hypothesis</a:t>
+            </a:r>
+          </a:p>
+          <a:p>
+            <a:endParaRPr lang="en-US" sz="2400" dirty="0"/>
           </a:p>
         </p:txBody>
       </p:sp>
@@ -6314,7 +6783,7 @@
           </a:bodyPr>
           <a:lstStyle/>
           <a:p>
-            <a:endParaRPr lang="en-US" sz="2400"/>
+            <a:endParaRPr lang="en-US" sz="2400" dirty="0"/>
           </a:p>
         </p:txBody>
       </p:sp>
@@ -6358,10 +6827,10 @@
       </p:grpSpPr>
       <p:sp useBgFill="1">
         <p:nvSpPr>
-          <p:cNvPr id="8" name="Rectangle 7">
+          <p:cNvPr id="28" name="Rectangle 27">
             <a:extLst>
               <a:ext uri="{FF2B5EF4-FFF2-40B4-BE49-F238E27FC236}">
-                <a16:creationId xmlns:a16="http://schemas.microsoft.com/office/drawing/2014/main" id="{3741B58E-3B65-4A01-A276-975AB2CF8A08}"/>
+                <a16:creationId xmlns:a16="http://schemas.microsoft.com/office/drawing/2014/main" id="{39B4056F-1959-4627-A683-77F6C0603FCD}"/>
               </a:ext>
               <a:ext uri="{C183D7F6-B498-43B3-948B-1728B52AA6E4}">
                 <adec:decorative xmlns:adec="http://schemas.microsoft.com/office/drawing/2017/decorative" val="1"/>
@@ -6382,74 +6851,11 @@
         <p:spPr>
           <a:xfrm>
             <a:off x="0" y="0"/>
-            <a:ext cx="12186315" cy="6858000"/>
+            <a:ext cx="12192001" cy="6858000"/>
           </a:xfrm>
           <a:prstGeom prst="rect">
             <a:avLst/>
           </a:prstGeom>
-          <a:ln>
-            <a:noFill/>
-          </a:ln>
-        </p:spPr>
-        <p:style>
-          <a:lnRef idx="2">
-            <a:schemeClr val="accent6">
-              <a:shade val="50000"/>
-            </a:schemeClr>
-          </a:lnRef>
-          <a:fillRef idx="1001">
-            <a:schemeClr val="lt1"/>
-          </a:fillRef>
-          <a:effectRef idx="0">
-            <a:schemeClr val="accent6"/>
-          </a:effectRef>
-          <a:fontRef idx="minor">
-            <a:schemeClr val="lt1"/>
-          </a:fontRef>
-        </p:style>
-        <p:txBody>
-          <a:bodyPr rtlCol="0" anchor="ctr"/>
-          <a:lstStyle/>
-          <a:p>
-            <a:pPr algn="ctr"/>
-            <a:endParaRPr lang="en-US"/>
-          </a:p>
-        </p:txBody>
-      </p:sp>
-      <p:sp>
-        <p:nvSpPr>
-          <p:cNvPr id="10" name="Rectangle 9">
-            <a:extLst>
-              <a:ext uri="{FF2B5EF4-FFF2-40B4-BE49-F238E27FC236}">
-                <a16:creationId xmlns:a16="http://schemas.microsoft.com/office/drawing/2014/main" id="{7AAC67C3-831B-4AB1-A259-DFB839CAFAFC}"/>
-              </a:ext>
-              <a:ext uri="{C183D7F6-B498-43B3-948B-1728B52AA6E4}">
-                <adec:decorative xmlns:adec="http://schemas.microsoft.com/office/drawing/2017/decorative" val="1"/>
-              </a:ext>
-            </a:extLst>
-          </p:cNvPr>
-          <p:cNvSpPr>
-            <a:spLocks noGrp="1" noRot="1" noChangeAspect="1" noMove="1" noResize="1" noEditPoints="1" noAdjustHandles="1" noChangeArrowheads="1" noChangeShapeType="1" noTextEdit="1"/>
-          </p:cNvSpPr>
-          <p:nvPr>
-            <p:extLst>
-              <p:ext uri="{386F3935-93C4-4BCD-93E2-E3B085C9AB24}">
-                <p16:designElem xmlns:p16="http://schemas.microsoft.com/office/powerpoint/2015/main" val="1"/>
-              </p:ext>
-            </p:extLst>
-          </p:nvPr>
-        </p:nvSpPr>
-        <p:spPr>
-          <a:xfrm>
-            <a:off x="16" y="0"/>
-            <a:ext cx="4648593" cy="6858000"/>
-          </a:xfrm>
-          <a:prstGeom prst="rect">
-            <a:avLst/>
-          </a:prstGeom>
-          <a:solidFill>
-            <a:srgbClr val="262626"/>
-          </a:solidFill>
           <a:ln>
             <a:noFill/>
           </a:ln>
@@ -6470,6 +6876,99 @@
             <a:schemeClr val="lt1"/>
           </a:fontRef>
         </p:style>
+        <p:txBody>
+          <a:bodyPr rtlCol="0" anchor="ctr"/>
+          <a:lstStyle/>
+          <a:p>
+            <a:pPr algn="ctr"/>
+            <a:endParaRPr lang="en-US"/>
+          </a:p>
+        </p:txBody>
+      </p:sp>
+      <p:pic>
+        <p:nvPicPr>
+          <p:cNvPr id="6" name="Picture 5">
+            <a:extLst>
+              <a:ext uri="{FF2B5EF4-FFF2-40B4-BE49-F238E27FC236}">
+                <a16:creationId xmlns:a16="http://schemas.microsoft.com/office/drawing/2014/main" id="{AB70F81A-0AD3-FF41-A83E-725C3E2D6271}"/>
+              </a:ext>
+            </a:extLst>
+          </p:cNvPr>
+          <p:cNvPicPr>
+            <a:picLocks noChangeAspect="1"/>
+          </p:cNvPicPr>
+          <p:nvPr/>
+        </p:nvPicPr>
+        <p:blipFill>
+          <a:blip r:embed="rId2"/>
+          <a:stretch>
+            <a:fillRect/>
+          </a:stretch>
+        </p:blipFill>
+        <p:spPr>
+          <a:xfrm>
+            <a:off x="633999" y="1452457"/>
+            <a:ext cx="10925102" cy="1939205"/>
+          </a:xfrm>
+          <a:prstGeom prst="rect">
+            <a:avLst/>
+          </a:prstGeom>
+        </p:spPr>
+      </p:pic>
+      <p:sp>
+        <p:nvSpPr>
+          <p:cNvPr id="30" name="Rectangle 29">
+            <a:extLst>
+              <a:ext uri="{FF2B5EF4-FFF2-40B4-BE49-F238E27FC236}">
+                <a16:creationId xmlns:a16="http://schemas.microsoft.com/office/drawing/2014/main" id="{D8D7349B-C9FA-4FCE-A1FF-948F460A3A9A}"/>
+              </a:ext>
+              <a:ext uri="{C183D7F6-B498-43B3-948B-1728B52AA6E4}">
+                <adec:decorative xmlns:adec="http://schemas.microsoft.com/office/drawing/2017/decorative" val="1"/>
+              </a:ext>
+            </a:extLst>
+          </p:cNvPr>
+          <p:cNvSpPr>
+            <a:spLocks noGrp="1" noRot="1" noChangeAspect="1" noMove="1" noResize="1" noEditPoints="1" noAdjustHandles="1" noChangeArrowheads="1" noChangeShapeType="1" noTextEdit="1"/>
+          </p:cNvSpPr>
+          <p:nvPr>
+            <p:extLst>
+              <p:ext uri="{386F3935-93C4-4BCD-93E2-E3B085C9AB24}">
+                <p16:designElem xmlns:p16="http://schemas.microsoft.com/office/powerpoint/2015/main" val="1"/>
+              </p:ext>
+            </p:extLst>
+          </p:nvPr>
+        </p:nvSpPr>
+        <p:spPr bwMode="white">
+          <a:xfrm>
+            <a:off x="1507" y="4554906"/>
+            <a:ext cx="12188952" cy="2303094"/>
+          </a:xfrm>
+          <a:prstGeom prst="rect">
+            <a:avLst/>
+          </a:prstGeom>
+          <a:solidFill>
+            <a:srgbClr val="262626"/>
+          </a:solidFill>
+          <a:ln>
+            <a:noFill/>
+          </a:ln>
+        </p:spPr>
+        <p:style>
+          <a:lnRef idx="2">
+            <a:schemeClr val="accent1">
+              <a:shade val="50000"/>
+            </a:schemeClr>
+          </a:lnRef>
+          <a:fillRef idx="1">
+            <a:schemeClr val="accent1"/>
+          </a:fillRef>
+          <a:effectRef idx="0">
+            <a:schemeClr val="accent1"/>
+          </a:effectRef>
+          <a:fontRef idx="minor">
+            <a:schemeClr val="lt1"/>
+          </a:fontRef>
+        </p:style>
       </p:sp>
       <p:sp>
         <p:nvSpPr>
@@ -6489,18 +6988,19 @@
         </p:nvSpPr>
         <p:spPr>
           <a:xfrm>
-            <a:off x="492369" y="605896"/>
-            <a:ext cx="3642309" cy="5646208"/>
-          </a:xfrm>
-        </p:spPr>
-        <p:txBody>
-          <a:bodyPr anchor="ctr">
+            <a:off x="633998" y="4905301"/>
+            <a:ext cx="4988879" cy="1554485"/>
+          </a:xfrm>
+        </p:spPr>
+        <p:txBody>
+          <a:bodyPr vert="horz" lIns="91440" tIns="45720" rIns="91440" bIns="45720" rtlCol="0" anchor="ctr">
             <a:normAutofit/>
           </a:bodyPr>
           <a:lstStyle/>
           <a:p>
-            <a:r>
-              <a:rPr lang="en-US" sz="4400" dirty="0">
+            <a:pPr algn="r"/>
+            <a:r>
+              <a:rPr lang="en-US" sz="4000">
                 <a:solidFill>
                   <a:srgbClr val="FFFFFF"/>
                 </a:solidFill>
@@ -6510,6 +7010,58 @@
           </a:p>
         </p:txBody>
       </p:sp>
+      <p:cxnSp>
+        <p:nvCxnSpPr>
+          <p:cNvPr id="32" name="Straight Connector 31">
+            <a:extLst>
+              <a:ext uri="{FF2B5EF4-FFF2-40B4-BE49-F238E27FC236}">
+                <a16:creationId xmlns:a16="http://schemas.microsoft.com/office/drawing/2014/main" id="{55646586-8E5D-4A2B-BDA9-01CE28AC89A1}"/>
+              </a:ext>
+              <a:ext uri="{C183D7F6-B498-43B3-948B-1728B52AA6E4}">
+                <adec:decorative xmlns:adec="http://schemas.microsoft.com/office/drawing/2017/decorative" val="1"/>
+              </a:ext>
+            </a:extLst>
+          </p:cNvPr>
+          <p:cNvCxnSpPr>
+            <a:cxnSpLocks noGrp="1" noRot="1" noChangeAspect="1" noMove="1" noResize="1" noEditPoints="1" noAdjustHandles="1" noChangeArrowheads="1" noChangeShapeType="1"/>
+          </p:cNvCxnSpPr>
+          <p:nvPr>
+            <p:extLst>
+              <p:ext uri="{386F3935-93C4-4BCD-93E2-E3B085C9AB24}">
+                <p16:designElem xmlns:p16="http://schemas.microsoft.com/office/powerpoint/2015/main" val="1"/>
+              </p:ext>
+            </p:extLst>
+          </p:nvPr>
+        </p:nvCxnSpPr>
+        <p:spPr>
+          <a:xfrm>
+            <a:off x="5820770" y="5247564"/>
+            <a:ext cx="0" cy="873457"/>
+          </a:xfrm>
+          <a:prstGeom prst="line">
+            <a:avLst/>
+          </a:prstGeom>
+          <a:ln w="19050">
+            <a:solidFill>
+              <a:schemeClr val="accent1"/>
+            </a:solidFill>
+          </a:ln>
+        </p:spPr>
+        <p:style>
+          <a:lnRef idx="1">
+            <a:schemeClr val="accent1"/>
+          </a:lnRef>
+          <a:fillRef idx="0">
+            <a:schemeClr val="accent1"/>
+          </a:fillRef>
+          <a:effectRef idx="0">
+            <a:schemeClr val="accent1"/>
+          </a:effectRef>
+          <a:fontRef idx="minor">
+            <a:schemeClr val="tx1"/>
+          </a:fontRef>
+        </p:style>
+      </p:cxnSp>
       <p:sp>
         <p:nvSpPr>
           <p:cNvPr id="3" name="Content Placeholder 2">
@@ -6528,17 +7080,27 @@
         </p:nvSpPr>
         <p:spPr>
           <a:xfrm>
-            <a:off x="5231958" y="605896"/>
-            <a:ext cx="5923721" cy="5646208"/>
-          </a:xfrm>
-        </p:spPr>
-        <p:txBody>
-          <a:bodyPr anchor="ctr">
+            <a:off x="6064301" y="4905300"/>
+            <a:ext cx="5493699" cy="1554485"/>
+          </a:xfrm>
+        </p:spPr>
+        <p:txBody>
+          <a:bodyPr vert="horz" lIns="91440" tIns="45720" rIns="91440" bIns="45720" rtlCol="0" anchor="ctr">
             <a:normAutofit/>
           </a:bodyPr>
           <a:lstStyle/>
           <a:p>
-            <a:endParaRPr lang="en-US" sz="2400"/>
+            <a:pPr marL="0" indent="0">
+              <a:buNone/>
+            </a:pPr>
+            <a:r>
+              <a:rPr lang="en-US" cap="all" spc="200">
+                <a:solidFill>
+                  <a:srgbClr val="FFFFFF"/>
+                </a:solidFill>
+              </a:rPr>
+              <a:t>Thank you!</a:t>
+            </a:r>
           </a:p>
         </p:txBody>
       </p:sp>

--- a/Presentation.pptx
+++ b/Presentation.pptx
@@ -762,6 +762,12 @@
               <a:t>Data frames to be discussed here</a:t>
             </a:r>
           </a:p>
+          <a:p>
+            <a:r>
+              <a:rPr lang="en-US" dirty="0"/>
+              <a:t>How many crime types per city were shown in data sets</a:t>
+            </a:r>
+          </a:p>
         </p:txBody>
       </p:sp>
       <p:sp>
@@ -933,7 +939,7 @@
           <a:p>
             <a:r>
               <a:rPr lang="en-US" dirty="0"/>
-              <a:t>Discuss possible reasons of why our data came out this way.</a:t>
+              <a:t>Discuss possible reasons of why our data may have come out this way.</a:t>
             </a:r>
           </a:p>
         </p:txBody>
@@ -5322,19 +5328,19 @@
               <a:buNone/>
             </a:pPr>
             <a:r>
-              <a:rPr lang="en-US" sz="2400" dirty="0"/>
+              <a:rPr lang="en-US" sz="2400" b="1" dirty="0"/>
               <a:t>“It must be a full moon!”</a:t>
             </a:r>
           </a:p>
           <a:p>
             <a:r>
-              <a:rPr lang="en-US" sz="2400" dirty="0"/>
+              <a:rPr lang="en-US" sz="2400" b="1" dirty="0"/>
               <a:t>Lunar-Lunacy Connection</a:t>
             </a:r>
           </a:p>
           <a:p>
             <a:r>
-              <a:rPr lang="en-US" sz="2400" dirty="0"/>
+              <a:rPr lang="en-US" sz="2400" b="1" dirty="0"/>
               <a:t>Hypothesis: Crime is higher during the full moon phase than any other phase of the moon.</a:t>
             </a:r>
           </a:p>
@@ -5361,7 +5367,7 @@
           </a:p>
           <a:p>
             <a:r>
-              <a:rPr lang="en-US" sz="2400" dirty="0"/>
+              <a:rPr lang="en-US" sz="2400" b="1" dirty="0"/>
               <a:t>Conclusion: No correlation found/Null hypothesis supported/ inconclusive</a:t>
             </a:r>
           </a:p>
@@ -5584,7 +5590,7 @@
                   <a:srgbClr val="FFFFFF"/>
                 </a:solidFill>
               </a:rPr>
-              <a:t>Questions &amp; Data</a:t>
+              <a:t>Questions &amp; Data Collection</a:t>
             </a:r>
           </a:p>
         </p:txBody>
@@ -5619,7 +5625,7 @@
           <a:p>
             <a:r>
               <a:rPr lang="en-US" sz="2400" b="1" dirty="0"/>
-              <a:t>Is there an increase in crime on full moon compared to other phases of the moons?</a:t>
+              <a:t>Is there an increase in crime on full moon compared to other phases of the moon?</a:t>
             </a:r>
           </a:p>
           <a:p>
@@ -5674,14 +5680,14 @@
             <a:pPr lvl="1"/>
             <a:r>
               <a:rPr lang="en-US" sz="2200" dirty="0"/>
+              <a:t>ANOVA </a:t>
+            </a:r>
+          </a:p>
+          <a:p>
+            <a:pPr lvl="1"/>
+            <a:r>
+              <a:rPr lang="en-US" sz="2200" dirty="0"/>
               <a:t>Pearson's r and r-squared</a:t>
-            </a:r>
-          </a:p>
-          <a:p>
-            <a:pPr lvl="1"/>
-            <a:r>
-              <a:rPr lang="en-US" sz="2200" dirty="0"/>
-              <a:t>ANOVA </a:t>
             </a:r>
           </a:p>
           <a:p>
@@ -5910,7 +5916,7 @@
           <a:lstStyle/>
           <a:p>
             <a:r>
-              <a:rPr lang="en-US" sz="2400" dirty="0"/>
+              <a:rPr lang="en-US" sz="2400" b="1" dirty="0"/>
               <a:t>Data clean up:</a:t>
             </a:r>
           </a:p>
@@ -5930,7 +5936,7 @@
           </a:p>
           <a:p>
             <a:r>
-              <a:rPr lang="en-US" sz="2400" dirty="0"/>
+              <a:rPr lang="en-US" sz="2400" b="1" dirty="0"/>
               <a:t>Challenges:</a:t>
             </a:r>
           </a:p>
@@ -6213,10 +6219,10 @@
           <a:lstStyle/>
           <a:p>
             <a:r>
-              <a:rPr lang="en-US" sz="2400" dirty="0"/>
+              <a:rPr lang="en-US" sz="2400" b="1" dirty="0"/>
               <a:t>Total Crime vs Moon Phase</a:t>
             </a:r>
-            <a:endParaRPr lang="en-US" sz="2200" dirty="0"/>
+            <a:endParaRPr lang="en-US" sz="2200" b="1" dirty="0"/>
           </a:p>
           <a:p>
             <a:pPr lvl="1"/>
@@ -6234,7 +6240,7 @@
           </a:p>
           <a:p>
             <a:r>
-              <a:rPr lang="en-US" sz="2400" dirty="0"/>
+              <a:rPr lang="en-US" sz="2400" b="1" dirty="0"/>
               <a:t>Total Crime/Violent Crime/Non-Violent Crime vs moon phase box plots</a:t>
             </a:r>
           </a:p>
@@ -6247,7 +6253,7 @@
           </a:p>
           <a:p>
             <a:r>
-              <a:rPr lang="en-US" sz="2400" dirty="0"/>
+              <a:rPr lang="en-US" sz="2400" b="1" dirty="0"/>
               <a:t>Linear Regression on Crime Count vs Moon Visibility</a:t>
             </a:r>
           </a:p>
@@ -6506,12 +6512,12 @@
         </p:spPr>
         <p:txBody>
           <a:bodyPr anchor="ctr">
-            <a:normAutofit/>
+            <a:normAutofit lnSpcReduction="10000"/>
           </a:bodyPr>
           <a:lstStyle/>
           <a:p>
             <a:r>
-              <a:rPr lang="en-US" sz="2400" dirty="0"/>
+              <a:rPr lang="en-US" sz="2400" b="1" dirty="0"/>
               <a:t>Data does not support a correlation between crimes committed and moon phase.</a:t>
             </a:r>
           </a:p>
@@ -6545,17 +6551,70 @@
           </a:p>
           <a:p>
             <a:r>
-              <a:rPr lang="en-US" sz="2400" dirty="0"/>
+              <a:rPr lang="en-US" sz="2400" b="1" dirty="0"/>
               <a:t>Regression analysis does not support a predictable model between crime count and moon visibility.</a:t>
             </a:r>
+          </a:p>
+          <a:p>
+            <a:pPr lvl="2"/>
+            <a:r>
+              <a:rPr lang="en-US" sz="1800" dirty="0"/>
+              <a:t>Chicago – R</a:t>
+            </a:r>
+            <a:r>
+              <a:rPr lang="en-US" sz="1800" baseline="30000" dirty="0"/>
+              <a:t>2</a:t>
+            </a:r>
+            <a:r>
+              <a:rPr lang="en-US" sz="1800" dirty="0"/>
+              <a:t> = 0.012</a:t>
+            </a:r>
+          </a:p>
+          <a:p>
+            <a:pPr lvl="2"/>
+            <a:r>
+              <a:rPr lang="en-US" sz="1800" dirty="0"/>
+              <a:t>Portland – R</a:t>
+            </a:r>
+            <a:r>
+              <a:rPr lang="en-US" sz="1800" baseline="30000" dirty="0"/>
+              <a:t>2</a:t>
+            </a:r>
+            <a:r>
+              <a:rPr lang="en-US" sz="1800" dirty="0"/>
+              <a:t> = Nan</a:t>
+            </a:r>
+          </a:p>
+          <a:p>
+            <a:pPr lvl="2"/>
+            <a:r>
+              <a:rPr lang="en-US" sz="1800" dirty="0"/>
+              <a:t>Atlanta – R</a:t>
+            </a:r>
+            <a:r>
+              <a:rPr lang="en-US" sz="1800" baseline="30000" dirty="0"/>
+              <a:t>2</a:t>
+            </a:r>
+            <a:r>
+              <a:rPr lang="en-US" sz="1800" dirty="0"/>
+              <a:t> = 0.0008</a:t>
+            </a:r>
+            <a:endParaRPr lang="en-US" sz="2400" dirty="0"/>
           </a:p>
           <a:p>
             <a:pPr marL="0" indent="0">
               <a:buNone/>
             </a:pPr>
             <a:r>
-              <a:rPr lang="en-US" sz="2400" dirty="0"/>
+              <a:rPr lang="en-US" sz="2400" b="1" dirty="0"/>
               <a:t>ANOVA tests support Null Hypothesis</a:t>
+            </a:r>
+          </a:p>
+          <a:p>
+            <a:pPr lvl="1"/>
+            <a:r>
+              <a:rPr lang="en-US" sz="2000" dirty="0"/>
+              <a:t>All t-test value &gt;0.5</a:t>
             </a:r>
           </a:p>
           <a:p>
@@ -6783,7 +6842,49 @@
           </a:bodyPr>
           <a:lstStyle/>
           <a:p>
-            <a:endParaRPr lang="en-US" sz="2400" dirty="0"/>
+            <a:r>
+              <a:rPr lang="en-US" sz="2400" b="1" dirty="0"/>
+              <a:t>Challenges:</a:t>
+            </a:r>
+          </a:p>
+          <a:p>
+            <a:pPr lvl="1"/>
+            <a:r>
+              <a:rPr lang="en-US" sz="2200" dirty="0"/>
+              <a:t>A lot of data, assumptions needed to be made</a:t>
+            </a:r>
+          </a:p>
+          <a:p>
+            <a:pPr lvl="1"/>
+            <a:r>
+              <a:rPr lang="en-US" sz="2200" dirty="0"/>
+              <a:t>Working with API organization</a:t>
+            </a:r>
+          </a:p>
+          <a:p>
+            <a:pPr lvl="1"/>
+            <a:r>
+              <a:rPr lang="en-US" sz="2200" dirty="0"/>
+              <a:t>Dates</a:t>
+            </a:r>
+          </a:p>
+          <a:p>
+            <a:r>
+              <a:rPr lang="en-US" sz="2400" b="1" dirty="0"/>
+              <a:t>Why did the Portland data yield Nan values with linear regression and ANOVA?</a:t>
+            </a:r>
+          </a:p>
+          <a:p>
+            <a:r>
+              <a:rPr lang="en-US" sz="2400" b="1" dirty="0"/>
+              <a:t>Expand crime data to include more cities of similar population</a:t>
+            </a:r>
+          </a:p>
+          <a:p>
+            <a:r>
+              <a:rPr lang="en-US" sz="2400" b="1" dirty="0"/>
+              <a:t>Can the Lunar lunacy connection be observed in other types of data?</a:t>
+            </a:r>
           </a:p>
         </p:txBody>
       </p:sp>

--- a/Presentation.pptx
+++ b/Presentation.pptx
@@ -6872,6 +6872,12 @@
             <a:r>
               <a:rPr lang="en-US" sz="2400" b="1" dirty="0"/>
               <a:t>Why did the Portland data yield Nan values with linear regression and ANOVA?</a:t>
+            </a:r>
+          </a:p>
+          <a:p>
+            <a:r>
+              <a:rPr lang="en-US" sz="2400" b="1" dirty="0"/>
+              <a:t>Do special moons appear to have an effect on </a:t>
             </a:r>
           </a:p>
           <a:p>

--- a/Presentation.pptx
+++ b/Presentation.pptx
@@ -6877,14 +6877,19 @@
           <a:p>
             <a:r>
               <a:rPr lang="en-US" sz="2400" b="1" dirty="0"/>
-              <a:t>Do special moons appear to have an effect on </a:t>
+              <a:t>Do special moons appear to have an effect on crimes committed? </a:t>
             </a:r>
           </a:p>
           <a:p>
             <a:r>
               <a:rPr lang="en-US" sz="2400" b="1" dirty="0"/>
-              <a:t>Expand crime data to include more cities of similar population</a:t>
-            </a:r>
+              <a:t>Expand crime data to include more cities of </a:t>
+            </a:r>
+            <a:r>
+              <a:rPr lang="en-US" sz="2400" b="1"/>
+              <a:t>similar population.</a:t>
+            </a:r>
+            <a:endParaRPr lang="en-US" sz="2400" b="1" dirty="0"/>
           </a:p>
           <a:p>
             <a:r>

--- a/Presentation.pptx
+++ b/Presentation.pptx
@@ -6539,7 +6539,7 @@
             <a:pPr lvl="2"/>
             <a:r>
               <a:rPr lang="en-US" sz="1800" dirty="0"/>
-              <a:t>Portland – Correlation Coefficient = Nan</a:t>
+              <a:t>Portland – Correlation Coefficient = = -0.009</a:t>
             </a:r>
           </a:p>
           <a:p>
@@ -6582,7 +6582,11 @@
             </a:r>
             <a:r>
               <a:rPr lang="en-US" sz="1800" dirty="0"/>
-              <a:t> = Nan</a:t>
+              <a:t> </a:t>
+            </a:r>
+            <a:r>
+              <a:rPr lang="en-US" sz="1800"/>
+              <a:t>= 0.00009</a:t>
             </a:r>
           </a:p>
           <a:p>

--- a/Presentation.pptx
+++ b/Presentation.pptx
@@ -5368,7 +5368,7 @@
           <a:p>
             <a:r>
               <a:rPr lang="en-US" sz="2400" b="1" dirty="0"/>
-              <a:t>Conclusion: No correlation found/Null hypothesis supported/ inconclusive</a:t>
+              <a:t>Conclusion: No correlation found/Null hypothesis supported</a:t>
             </a:r>
           </a:p>
         </p:txBody>
@@ -6525,7 +6525,7 @@
             <a:pPr lvl="1"/>
             <a:r>
               <a:rPr lang="en-US" sz="2200" dirty="0"/>
-              <a:t>Generated correlation coefficients are either inconclusive or slightly negative be very weak</a:t>
+              <a:t>Generated correlation coefficients are slightly negative be very weak</a:t>
             </a:r>
           </a:p>
           <a:p>
@@ -6582,11 +6582,7 @@
             </a:r>
             <a:r>
               <a:rPr lang="en-US" sz="1800" dirty="0"/>
-              <a:t> </a:t>
-            </a:r>
-            <a:r>
-              <a:rPr lang="en-US" sz="1800"/>
-              <a:t>= 0.00009</a:t>
+              <a:t> = 0.00009</a:t>
             </a:r>
           </a:p>
           <a:p>
@@ -6874,31 +6870,24 @@
           </a:p>
           <a:p>
             <a:r>
+              <a:rPr lang="en-US" sz="2400" b="1"/>
+              <a:t>Do </a:t>
+            </a:r>
+            <a:r>
               <a:rPr lang="en-US" sz="2400" b="1" dirty="0"/>
-              <a:t>Why did the Portland data yield Nan values with linear regression and ANOVA?</a:t>
+              <a:t>special moons appear to have an effect on crimes committed? </a:t>
             </a:r>
           </a:p>
           <a:p>
             <a:r>
               <a:rPr lang="en-US" sz="2400" b="1" dirty="0"/>
-              <a:t>Do special moons appear to have an effect on crimes committed? </a:t>
+              <a:t>Expand crime data to include more cities of similar population.</a:t>
             </a:r>
           </a:p>
           <a:p>
             <a:r>
               <a:rPr lang="en-US" sz="2400" b="1" dirty="0"/>
-              <a:t>Expand crime data to include more cities of </a:t>
-            </a:r>
-            <a:r>
-              <a:rPr lang="en-US" sz="2400" b="1"/>
-              <a:t>similar population.</a:t>
-            </a:r>
-            <a:endParaRPr lang="en-US" sz="2400" b="1" dirty="0"/>
-          </a:p>
-          <a:p>
-            <a:r>
-              <a:rPr lang="en-US" sz="2400" b="1" dirty="0"/>
-              <a:t>Can the Lunar lunacy connection be observed in other types of data?</a:t>
+              <a:t>Can the Lunar-Lunacy connection be observed in other types of data?</a:t>
             </a:r>
           </a:p>
         </p:txBody>
